--- a/structure/PMSLTframeworkV2.pptx
+++ b/structure/PMSLTframeworkV2.pptx
@@ -213,7 +213,7 @@
           <a:p>
             <a:fld id="{B8A87EDB-1A2C-4B2E-83A8-5842A14D9950}" type="datetimeFigureOut">
               <a:rPr lang="en-GB" smtClean="0"/>
-              <a:t>07/02/2018</a:t>
+              <a:t>12/02/2018</a:t>
             </a:fld>
             <a:endParaRPr lang="en-GB"/>
           </a:p>
@@ -2101,7 +2101,7 @@
           <a:p>
             <a:fld id="{DEF44FD3-4A6B-46FF-925D-7C09BFC1FBE9}" type="datetimeFigureOut">
               <a:rPr lang="en-GB" smtClean="0"/>
-              <a:t>07/02/2018</a:t>
+              <a:t>12/02/2018</a:t>
             </a:fld>
             <a:endParaRPr lang="en-GB"/>
           </a:p>
@@ -2271,7 +2271,7 @@
           <a:p>
             <a:fld id="{DEF44FD3-4A6B-46FF-925D-7C09BFC1FBE9}" type="datetimeFigureOut">
               <a:rPr lang="en-GB" smtClean="0"/>
-              <a:t>07/02/2018</a:t>
+              <a:t>12/02/2018</a:t>
             </a:fld>
             <a:endParaRPr lang="en-GB"/>
           </a:p>
@@ -2451,7 +2451,7 @@
           <a:p>
             <a:fld id="{DEF44FD3-4A6B-46FF-925D-7C09BFC1FBE9}" type="datetimeFigureOut">
               <a:rPr lang="en-GB" smtClean="0"/>
-              <a:t>07/02/2018</a:t>
+              <a:t>12/02/2018</a:t>
             </a:fld>
             <a:endParaRPr lang="en-GB"/>
           </a:p>
@@ -2621,7 +2621,7 @@
           <a:p>
             <a:fld id="{DEF44FD3-4A6B-46FF-925D-7C09BFC1FBE9}" type="datetimeFigureOut">
               <a:rPr lang="en-GB" smtClean="0"/>
-              <a:t>07/02/2018</a:t>
+              <a:t>12/02/2018</a:t>
             </a:fld>
             <a:endParaRPr lang="en-GB"/>
           </a:p>
@@ -2867,7 +2867,7 @@
           <a:p>
             <a:fld id="{DEF44FD3-4A6B-46FF-925D-7C09BFC1FBE9}" type="datetimeFigureOut">
               <a:rPr lang="en-GB" smtClean="0"/>
-              <a:t>07/02/2018</a:t>
+              <a:t>12/02/2018</a:t>
             </a:fld>
             <a:endParaRPr lang="en-GB"/>
           </a:p>
@@ -3099,7 +3099,7 @@
           <a:p>
             <a:fld id="{DEF44FD3-4A6B-46FF-925D-7C09BFC1FBE9}" type="datetimeFigureOut">
               <a:rPr lang="en-GB" smtClean="0"/>
-              <a:t>07/02/2018</a:t>
+              <a:t>12/02/2018</a:t>
             </a:fld>
             <a:endParaRPr lang="en-GB"/>
           </a:p>
@@ -3466,7 +3466,7 @@
           <a:p>
             <a:fld id="{DEF44FD3-4A6B-46FF-925D-7C09BFC1FBE9}" type="datetimeFigureOut">
               <a:rPr lang="en-GB" smtClean="0"/>
-              <a:t>07/02/2018</a:t>
+              <a:t>12/02/2018</a:t>
             </a:fld>
             <a:endParaRPr lang="en-GB"/>
           </a:p>
@@ -3584,7 +3584,7 @@
           <a:p>
             <a:fld id="{DEF44FD3-4A6B-46FF-925D-7C09BFC1FBE9}" type="datetimeFigureOut">
               <a:rPr lang="en-GB" smtClean="0"/>
-              <a:t>07/02/2018</a:t>
+              <a:t>12/02/2018</a:t>
             </a:fld>
             <a:endParaRPr lang="en-GB"/>
           </a:p>
@@ -3679,7 +3679,7 @@
           <a:p>
             <a:fld id="{DEF44FD3-4A6B-46FF-925D-7C09BFC1FBE9}" type="datetimeFigureOut">
               <a:rPr lang="en-GB" smtClean="0"/>
-              <a:t>07/02/2018</a:t>
+              <a:t>12/02/2018</a:t>
             </a:fld>
             <a:endParaRPr lang="en-GB"/>
           </a:p>
@@ -3956,7 +3956,7 @@
           <a:p>
             <a:fld id="{DEF44FD3-4A6B-46FF-925D-7C09BFC1FBE9}" type="datetimeFigureOut">
               <a:rPr lang="en-GB" smtClean="0"/>
-              <a:t>07/02/2018</a:t>
+              <a:t>12/02/2018</a:t>
             </a:fld>
             <a:endParaRPr lang="en-GB"/>
           </a:p>
@@ -4209,7 +4209,7 @@
           <a:p>
             <a:fld id="{DEF44FD3-4A6B-46FF-925D-7C09BFC1FBE9}" type="datetimeFigureOut">
               <a:rPr lang="en-GB" smtClean="0"/>
-              <a:t>07/02/2018</a:t>
+              <a:t>12/02/2018</a:t>
             </a:fld>
             <a:endParaRPr lang="en-GB"/>
           </a:p>
@@ -4422,7 +4422,7 @@
           <a:p>
             <a:fld id="{DEF44FD3-4A6B-46FF-925D-7C09BFC1FBE9}" type="datetimeFigureOut">
               <a:rPr lang="en-GB" smtClean="0"/>
-              <a:t>07/02/2018</a:t>
+              <a:t>12/02/2018</a:t>
             </a:fld>
             <a:endParaRPr lang="en-GB"/>
           </a:p>
@@ -5184,13 +5184,8 @@
             </a:pPr>
             <a:r>
               <a:rPr lang="en-GB" sz="2000" dirty="0" smtClean="0"/>
-              <a:t>OTHERS: HOW ARE THE CALCULATIONS COMING TOGETHER? CREATION OF TWO MODELS, ONE AS IS AND THE OTHER WITHOUT </a:t>
-            </a:r>
-            <a:r>
-              <a:rPr lang="en-GB" sz="2000" dirty="0" smtClean="0"/>
-              <a:t>INTERVENTION?</a:t>
-            </a:r>
-            <a:endParaRPr lang="en-GB" sz="2000" dirty="0" smtClean="0"/>
+              <a:t>OTHERS: HOW ARE THE CALCULATIONS COMING TOGETHER? CREATION OF TWO MODELS, ONE AS IS AND THE OTHER WITHOUT INTERVENTION?</a:t>
+            </a:r>
           </a:p>
           <a:p>
             <a:pPr marL="342900" indent="-342900">
@@ -5483,23 +5478,7 @@
                   <a:srgbClr val="FF0000"/>
                 </a:solidFill>
               </a:rPr>
-              <a:t>For now (example </a:t>
-            </a:r>
-            <a:r>
-              <a:rPr lang="en-GB" sz="2000" b="1" dirty="0" smtClean="0">
-                <a:solidFill>
-                  <a:srgbClr val="FF0000"/>
-                </a:solidFill>
-              </a:rPr>
-              <a:t>England/Australia), </a:t>
-            </a:r>
-            <a:r>
-              <a:rPr lang="en-GB" sz="2000" b="1" dirty="0" smtClean="0">
-                <a:solidFill>
-                  <a:srgbClr val="FF0000"/>
-                </a:solidFill>
-              </a:rPr>
-              <a:t>ready to use. Discussion of inputs and best approach for data standardisation. </a:t>
+              <a:t>For now (example England/Australia), ready to use. Discussion of inputs and best approach for data standardisation. </a:t>
             </a:r>
           </a:p>
           <a:p>
@@ -14116,8 +14095,8 @@
           </a:p>
         </p:txBody>
       </p:sp>
-      <mc:AlternateContent xmlns:mc="http://schemas.openxmlformats.org/markup-compatibility/2006" xmlns:a14="http://schemas.microsoft.com/office/drawing/2010/main">
-        <mc:Choice Requires="a14">
+      <mc:AlternateContent xmlns:mc="http://schemas.openxmlformats.org/markup-compatibility/2006">
+        <mc:Choice xmlns:a14="http://schemas.microsoft.com/office/drawing/2010/main" Requires="a14">
           <p:sp>
             <p:nvSpPr>
               <p:cNvPr id="17" name="Rectangle 16"/>
@@ -14149,7 +14128,7 @@
                       <m:sSub>
                         <m:sSubPr>
                           <m:ctrlPr>
-                            <a:rPr lang="en-GB" sz="1400" i="1">
+                            <a:rPr lang="en-GB" sz="1400" i="1" smtClean="0">
                               <a:latin typeface="Cambria Math" panose="02040503050406030204" pitchFamily="18" charset="0"/>
                             </a:rPr>
                           </m:ctrlPr>
@@ -14186,6 +14165,12 @@
                           </m:ctrlPr>
                         </m:fPr>
                         <m:num>
+                          <m:r>
+                            <a:rPr lang="en-GB" sz="1400" b="0" i="1" smtClean="0">
+                              <a:latin typeface="Cambria Math" panose="02040503050406030204" pitchFamily="18" charset="0"/>
+                            </a:rPr>
+                            <m:t>(</m:t>
+                          </m:r>
                           <m:r>
                             <a:rPr lang="en-GB" sz="1400" i="0">
                               <a:latin typeface="Cambria Math" panose="02040503050406030204" pitchFamily="18" charset="0"/>
@@ -14708,6 +14693,12 @@
                               </m:d>
                             </m:e>
                           </m:d>
+                          <m:r>
+                            <a:rPr lang="en-GB" sz="1400" b="0" i="1" smtClean="0">
+                              <a:latin typeface="Cambria Math" panose="02040503050406030204" pitchFamily="18" charset="0"/>
+                            </a:rPr>
+                            <m:t>)</m:t>
+                          </m:r>
                         </m:num>
                         <m:den>
                           <m:r>
@@ -14715,6 +14706,12 @@
                               <a:latin typeface="Cambria Math" panose="02040503050406030204" pitchFamily="18" charset="0"/>
                             </a:rPr>
                             <m:t>2</m:t>
+                          </m:r>
+                          <m:r>
+                            <a:rPr lang="en-GB" sz="1400" b="0" i="0" smtClean="0">
+                              <a:latin typeface="Cambria Math" panose="02040503050406030204" pitchFamily="18" charset="0"/>
+                            </a:rPr>
+                            <m:t>∗</m:t>
                           </m:r>
                           <m:sSub>
                             <m:sSubPr>
@@ -14751,7 +14748,7 @@
             </p:txBody>
           </p:sp>
         </mc:Choice>
-        <mc:Fallback xmlns="">
+        <mc:Fallback>
           <p:sp>
             <p:nvSpPr>
               <p:cNvPr id="17" name="Rectangle 16"/>

--- a/structure/PMSLTframeworkV2.pptx
+++ b/structure/PMSLTframeworkV2.pptx
@@ -213,7 +213,7 @@
           <a:p>
             <a:fld id="{B8A87EDB-1A2C-4B2E-83A8-5842A14D9950}" type="datetimeFigureOut">
               <a:rPr lang="en-GB" smtClean="0"/>
-              <a:t>12/02/2018</a:t>
+              <a:t>27/03/2018</a:t>
             </a:fld>
             <a:endParaRPr lang="en-GB"/>
           </a:p>
@@ -2101,7 +2101,7 @@
           <a:p>
             <a:fld id="{DEF44FD3-4A6B-46FF-925D-7C09BFC1FBE9}" type="datetimeFigureOut">
               <a:rPr lang="en-GB" smtClean="0"/>
-              <a:t>12/02/2018</a:t>
+              <a:t>27/03/2018</a:t>
             </a:fld>
             <a:endParaRPr lang="en-GB"/>
           </a:p>
@@ -2271,7 +2271,7 @@
           <a:p>
             <a:fld id="{DEF44FD3-4A6B-46FF-925D-7C09BFC1FBE9}" type="datetimeFigureOut">
               <a:rPr lang="en-GB" smtClean="0"/>
-              <a:t>12/02/2018</a:t>
+              <a:t>27/03/2018</a:t>
             </a:fld>
             <a:endParaRPr lang="en-GB"/>
           </a:p>
@@ -2451,7 +2451,7 @@
           <a:p>
             <a:fld id="{DEF44FD3-4A6B-46FF-925D-7C09BFC1FBE9}" type="datetimeFigureOut">
               <a:rPr lang="en-GB" smtClean="0"/>
-              <a:t>12/02/2018</a:t>
+              <a:t>27/03/2018</a:t>
             </a:fld>
             <a:endParaRPr lang="en-GB"/>
           </a:p>
@@ -2621,7 +2621,7 @@
           <a:p>
             <a:fld id="{DEF44FD3-4A6B-46FF-925D-7C09BFC1FBE9}" type="datetimeFigureOut">
               <a:rPr lang="en-GB" smtClean="0"/>
-              <a:t>12/02/2018</a:t>
+              <a:t>27/03/2018</a:t>
             </a:fld>
             <a:endParaRPr lang="en-GB"/>
           </a:p>
@@ -2867,7 +2867,7 @@
           <a:p>
             <a:fld id="{DEF44FD3-4A6B-46FF-925D-7C09BFC1FBE9}" type="datetimeFigureOut">
               <a:rPr lang="en-GB" smtClean="0"/>
-              <a:t>12/02/2018</a:t>
+              <a:t>27/03/2018</a:t>
             </a:fld>
             <a:endParaRPr lang="en-GB"/>
           </a:p>
@@ -3099,7 +3099,7 @@
           <a:p>
             <a:fld id="{DEF44FD3-4A6B-46FF-925D-7C09BFC1FBE9}" type="datetimeFigureOut">
               <a:rPr lang="en-GB" smtClean="0"/>
-              <a:t>12/02/2018</a:t>
+              <a:t>27/03/2018</a:t>
             </a:fld>
             <a:endParaRPr lang="en-GB"/>
           </a:p>
@@ -3466,7 +3466,7 @@
           <a:p>
             <a:fld id="{DEF44FD3-4A6B-46FF-925D-7C09BFC1FBE9}" type="datetimeFigureOut">
               <a:rPr lang="en-GB" smtClean="0"/>
-              <a:t>12/02/2018</a:t>
+              <a:t>27/03/2018</a:t>
             </a:fld>
             <a:endParaRPr lang="en-GB"/>
           </a:p>
@@ -3584,7 +3584,7 @@
           <a:p>
             <a:fld id="{DEF44FD3-4A6B-46FF-925D-7C09BFC1FBE9}" type="datetimeFigureOut">
               <a:rPr lang="en-GB" smtClean="0"/>
-              <a:t>12/02/2018</a:t>
+              <a:t>27/03/2018</a:t>
             </a:fld>
             <a:endParaRPr lang="en-GB"/>
           </a:p>
@@ -3679,7 +3679,7 @@
           <a:p>
             <a:fld id="{DEF44FD3-4A6B-46FF-925D-7C09BFC1FBE9}" type="datetimeFigureOut">
               <a:rPr lang="en-GB" smtClean="0"/>
-              <a:t>12/02/2018</a:t>
+              <a:t>27/03/2018</a:t>
             </a:fld>
             <a:endParaRPr lang="en-GB"/>
           </a:p>
@@ -3956,7 +3956,7 @@
           <a:p>
             <a:fld id="{DEF44FD3-4A6B-46FF-925D-7C09BFC1FBE9}" type="datetimeFigureOut">
               <a:rPr lang="en-GB" smtClean="0"/>
-              <a:t>12/02/2018</a:t>
+              <a:t>27/03/2018</a:t>
             </a:fld>
             <a:endParaRPr lang="en-GB"/>
           </a:p>
@@ -4209,7 +4209,7 @@
           <a:p>
             <a:fld id="{DEF44FD3-4A6B-46FF-925D-7C09BFC1FBE9}" type="datetimeFigureOut">
               <a:rPr lang="en-GB" smtClean="0"/>
-              <a:t>12/02/2018</a:t>
+              <a:t>27/03/2018</a:t>
             </a:fld>
             <a:endParaRPr lang="en-GB"/>
           </a:p>
@@ -4422,7 +4422,7 @@
           <a:p>
             <a:fld id="{DEF44FD3-4A6B-46FF-925D-7C09BFC1FBE9}" type="datetimeFigureOut">
               <a:rPr lang="en-GB" smtClean="0"/>
-              <a:t>12/02/2018</a:t>
+              <a:t>27/03/2018</a:t>
             </a:fld>
             <a:endParaRPr lang="en-GB"/>
           </a:p>
@@ -14095,8 +14095,8 @@
           </a:p>
         </p:txBody>
       </p:sp>
-      <mc:AlternateContent xmlns:mc="http://schemas.openxmlformats.org/markup-compatibility/2006">
-        <mc:Choice xmlns:a14="http://schemas.microsoft.com/office/drawing/2010/main" Requires="a14">
+      <mc:AlternateContent xmlns:mc="http://schemas.openxmlformats.org/markup-compatibility/2006" xmlns:a14="http://schemas.microsoft.com/office/drawing/2010/main">
+        <mc:Choice Requires="a14">
           <p:sp>
             <p:nvSpPr>
               <p:cNvPr id="17" name="Rectangle 16"/>
@@ -14748,7 +14748,7 @@
             </p:txBody>
           </p:sp>
         </mc:Choice>
-        <mc:Fallback>
+        <mc:Fallback xmlns="">
           <p:sp>
             <p:nvSpPr>
               <p:cNvPr id="17" name="Rectangle 16"/>
@@ -21063,910 +21063,6 @@
       </p:grpSpPr>
       <p:sp>
         <p:nvSpPr>
-          <p:cNvPr id="6" name="TextBox 5"/>
-          <p:cNvSpPr txBox="1"/>
-          <p:nvPr/>
-        </p:nvSpPr>
-        <p:spPr>
-          <a:xfrm>
-            <a:off x="1204452" y="1699866"/>
-            <a:ext cx="1559658" cy="369332"/>
-          </a:xfrm>
-          <a:prstGeom prst="rect">
-            <a:avLst/>
-          </a:prstGeom>
-        </p:spPr>
-        <p:style>
-          <a:lnRef idx="2">
-            <a:schemeClr val="dk1"/>
-          </a:lnRef>
-          <a:fillRef idx="1">
-            <a:schemeClr val="lt1"/>
-          </a:fillRef>
-          <a:effectRef idx="0">
-            <a:schemeClr val="dk1"/>
-          </a:effectRef>
-          <a:fontRef idx="minor">
-            <a:schemeClr val="dk1"/>
-          </a:fontRef>
-        </p:style>
-        <p:txBody>
-          <a:bodyPr wrap="none" rtlCol="0">
-            <a:spAutoFit/>
-          </a:bodyPr>
-          <a:lstStyle/>
-          <a:p>
-            <a:r>
-              <a:rPr lang="en-GB" dirty="0" smtClean="0"/>
-              <a:t>Life years lived</a:t>
-            </a:r>
-          </a:p>
-        </p:txBody>
-      </p:sp>
-      <p:sp>
-        <p:nvSpPr>
-          <p:cNvPr id="7" name="TextBox 6"/>
-          <p:cNvSpPr txBox="1"/>
-          <p:nvPr/>
-        </p:nvSpPr>
-        <p:spPr>
-          <a:xfrm>
-            <a:off x="1848580" y="2341112"/>
-            <a:ext cx="2552302" cy="369332"/>
-          </a:xfrm>
-          <a:prstGeom prst="rect">
-            <a:avLst/>
-          </a:prstGeom>
-        </p:spPr>
-        <p:style>
-          <a:lnRef idx="2">
-            <a:schemeClr val="dk1"/>
-          </a:lnRef>
-          <a:fillRef idx="1">
-            <a:schemeClr val="lt1"/>
-          </a:fillRef>
-          <a:effectRef idx="0">
-            <a:schemeClr val="dk1"/>
-          </a:effectRef>
-          <a:fontRef idx="minor">
-            <a:schemeClr val="dk1"/>
-          </a:fontRef>
-        </p:style>
-        <p:txBody>
-          <a:bodyPr wrap="none" rtlCol="0">
-            <a:spAutoFit/>
-          </a:bodyPr>
-          <a:lstStyle/>
-          <a:p>
-            <a:r>
-              <a:rPr lang="en-GB" dirty="0" smtClean="0"/>
-              <a:t>Health adjusted life years</a:t>
-            </a:r>
-          </a:p>
-        </p:txBody>
-      </p:sp>
-      <p:sp>
-        <p:nvSpPr>
-          <p:cNvPr id="11" name="TextBox 10"/>
-          <p:cNvSpPr txBox="1"/>
-          <p:nvPr/>
-        </p:nvSpPr>
-        <p:spPr>
-          <a:xfrm>
-            <a:off x="1204452" y="1245500"/>
-            <a:ext cx="10377947" cy="338554"/>
-          </a:xfrm>
-          <a:prstGeom prst="rect">
-            <a:avLst/>
-          </a:prstGeom>
-          <a:solidFill>
-            <a:schemeClr val="bg2"/>
-          </a:solidFill>
-          <a:ln w="28575">
-            <a:solidFill>
-              <a:schemeClr val="tx1"/>
-            </a:solidFill>
-          </a:ln>
-        </p:spPr>
-        <p:style>
-          <a:lnRef idx="2">
-            <a:schemeClr val="accent1"/>
-          </a:lnRef>
-          <a:fillRef idx="1">
-            <a:schemeClr val="lt1"/>
-          </a:fillRef>
-          <a:effectRef idx="0">
-            <a:schemeClr val="accent1"/>
-          </a:effectRef>
-          <a:fontRef idx="minor">
-            <a:schemeClr val="dk1"/>
-          </a:fontRef>
-        </p:style>
-        <p:txBody>
-          <a:bodyPr wrap="square" rtlCol="0">
-            <a:spAutoFit/>
-          </a:bodyPr>
-          <a:lstStyle/>
-          <a:p>
-            <a:pPr algn="ctr"/>
-            <a:r>
-              <a:rPr lang="en-GB" sz="1600" b="1" dirty="0"/>
-              <a:t>L</a:t>
-            </a:r>
-            <a:r>
-              <a:rPr lang="en-GB" sz="1600" b="1" dirty="0" smtClean="0"/>
-              <a:t>ife table</a:t>
-            </a:r>
-            <a:endParaRPr lang="en-GB" sz="1600" b="1" dirty="0"/>
-          </a:p>
-        </p:txBody>
-      </p:sp>
-      <p:sp>
-        <p:nvSpPr>
-          <p:cNvPr id="12" name="TextBox 11"/>
-          <p:cNvSpPr txBox="1"/>
-          <p:nvPr/>
-        </p:nvSpPr>
-        <p:spPr>
-          <a:xfrm>
-            <a:off x="4277001" y="3365370"/>
-            <a:ext cx="7234237" cy="338554"/>
-          </a:xfrm>
-          <a:prstGeom prst="rect">
-            <a:avLst/>
-          </a:prstGeom>
-          <a:solidFill>
-            <a:schemeClr val="bg2"/>
-          </a:solidFill>
-          <a:ln w="28575">
-            <a:solidFill>
-              <a:schemeClr val="tx1"/>
-            </a:solidFill>
-          </a:ln>
-        </p:spPr>
-        <p:style>
-          <a:lnRef idx="2">
-            <a:schemeClr val="accent1"/>
-          </a:lnRef>
-          <a:fillRef idx="1">
-            <a:schemeClr val="lt1"/>
-          </a:fillRef>
-          <a:effectRef idx="0">
-            <a:schemeClr val="accent1"/>
-          </a:effectRef>
-          <a:fontRef idx="minor">
-            <a:schemeClr val="dk1"/>
-          </a:fontRef>
-        </p:style>
-        <p:txBody>
-          <a:bodyPr wrap="square" rtlCol="0">
-            <a:spAutoFit/>
-          </a:bodyPr>
-          <a:lstStyle/>
-          <a:p>
-            <a:pPr algn="ctr"/>
-            <a:r>
-              <a:rPr lang="en-GB" sz="1600" b="1" dirty="0" smtClean="0"/>
-              <a:t>Disease specific life table</a:t>
-            </a:r>
-            <a:endParaRPr lang="en-GB" sz="1600" b="1" dirty="0"/>
-          </a:p>
-        </p:txBody>
-      </p:sp>
-      <p:sp>
-        <p:nvSpPr>
-          <p:cNvPr id="13" name="TextBox 12"/>
-          <p:cNvSpPr txBox="1"/>
-          <p:nvPr/>
-        </p:nvSpPr>
-        <p:spPr>
-          <a:xfrm>
-            <a:off x="4277001" y="3872381"/>
-            <a:ext cx="1055482" cy="369332"/>
-          </a:xfrm>
-          <a:prstGeom prst="rect">
-            <a:avLst/>
-          </a:prstGeom>
-        </p:spPr>
-        <p:style>
-          <a:lnRef idx="2">
-            <a:schemeClr val="dk1"/>
-          </a:lnRef>
-          <a:fillRef idx="1">
-            <a:schemeClr val="lt1"/>
-          </a:fillRef>
-          <a:effectRef idx="0">
-            <a:schemeClr val="dk1"/>
-          </a:effectRef>
-          <a:fontRef idx="minor">
-            <a:schemeClr val="dk1"/>
-          </a:fontRef>
-        </p:style>
-        <p:txBody>
-          <a:bodyPr wrap="none" rtlCol="0">
-            <a:spAutoFit/>
-          </a:bodyPr>
-          <a:lstStyle/>
-          <a:p>
-            <a:r>
-              <a:rPr lang="en-GB" dirty="0" smtClean="0"/>
-              <a:t>Mortality</a:t>
-            </a:r>
-          </a:p>
-        </p:txBody>
-      </p:sp>
-      <p:sp>
-        <p:nvSpPr>
-          <p:cNvPr id="14" name="TextBox 13"/>
-          <p:cNvSpPr txBox="1"/>
-          <p:nvPr/>
-        </p:nvSpPr>
-        <p:spPr>
-          <a:xfrm>
-            <a:off x="4454801" y="4525320"/>
-            <a:ext cx="1209434" cy="369332"/>
-          </a:xfrm>
-          <a:prstGeom prst="rect">
-            <a:avLst/>
-          </a:prstGeom>
-        </p:spPr>
-        <p:style>
-          <a:lnRef idx="2">
-            <a:schemeClr val="dk1"/>
-          </a:lnRef>
-          <a:fillRef idx="1">
-            <a:schemeClr val="lt1"/>
-          </a:fillRef>
-          <a:effectRef idx="0">
-            <a:schemeClr val="dk1"/>
-          </a:effectRef>
-          <a:fontRef idx="minor">
-            <a:schemeClr val="dk1"/>
-          </a:fontRef>
-        </p:style>
-        <p:txBody>
-          <a:bodyPr wrap="none" rtlCol="0">
-            <a:spAutoFit/>
-          </a:bodyPr>
-          <a:lstStyle/>
-          <a:p>
-            <a:r>
-              <a:rPr lang="en-GB" dirty="0" smtClean="0"/>
-              <a:t>Prevalence</a:t>
-            </a:r>
-          </a:p>
-        </p:txBody>
-      </p:sp>
-      <p:sp>
-        <p:nvSpPr>
-          <p:cNvPr id="15" name="TextBox 14"/>
-          <p:cNvSpPr txBox="1"/>
-          <p:nvPr/>
-        </p:nvSpPr>
-        <p:spPr>
-          <a:xfrm>
-            <a:off x="7799812" y="4236802"/>
-            <a:ext cx="3718387" cy="338554"/>
-          </a:xfrm>
-          <a:prstGeom prst="rect">
-            <a:avLst/>
-          </a:prstGeom>
-          <a:solidFill>
-            <a:schemeClr val="bg2"/>
-          </a:solidFill>
-          <a:ln w="28575">
-            <a:solidFill>
-              <a:schemeClr val="tx1"/>
-            </a:solidFill>
-          </a:ln>
-        </p:spPr>
-        <p:style>
-          <a:lnRef idx="2">
-            <a:schemeClr val="accent1"/>
-          </a:lnRef>
-          <a:fillRef idx="1">
-            <a:schemeClr val="lt1"/>
-          </a:fillRef>
-          <a:effectRef idx="0">
-            <a:schemeClr val="accent1"/>
-          </a:effectRef>
-          <a:fontRef idx="minor">
-            <a:schemeClr val="dk1"/>
-          </a:fontRef>
-        </p:style>
-        <p:txBody>
-          <a:bodyPr wrap="square" rtlCol="0">
-            <a:spAutoFit/>
-          </a:bodyPr>
-          <a:lstStyle/>
-          <a:p>
-            <a:pPr algn="ctr"/>
-            <a:r>
-              <a:rPr lang="en-GB" sz="1600" b="1" dirty="0" smtClean="0"/>
-              <a:t>Potential impact factor</a:t>
-            </a:r>
-            <a:endParaRPr lang="en-GB" sz="1600" b="1" dirty="0"/>
-          </a:p>
-        </p:txBody>
-      </p:sp>
-      <p:sp>
-        <p:nvSpPr>
-          <p:cNvPr id="18" name="TextBox 17"/>
-          <p:cNvSpPr txBox="1"/>
-          <p:nvPr/>
-        </p:nvSpPr>
-        <p:spPr>
-          <a:xfrm>
-            <a:off x="8012897" y="5039720"/>
-            <a:ext cx="1560235" cy="369332"/>
-          </a:xfrm>
-          <a:prstGeom prst="rect">
-            <a:avLst/>
-          </a:prstGeom>
-        </p:spPr>
-        <p:style>
-          <a:lnRef idx="2">
-            <a:schemeClr val="dk1"/>
-          </a:lnRef>
-          <a:fillRef idx="1">
-            <a:schemeClr val="lt1"/>
-          </a:fillRef>
-          <a:effectRef idx="0">
-            <a:schemeClr val="dk1"/>
-          </a:effectRef>
-          <a:fontRef idx="minor">
-            <a:schemeClr val="dk1"/>
-          </a:fontRef>
-        </p:style>
-        <p:txBody>
-          <a:bodyPr wrap="none" rtlCol="0">
-            <a:spAutoFit/>
-          </a:bodyPr>
-          <a:lstStyle/>
-          <a:p>
-            <a:r>
-              <a:rPr lang="en-GB" dirty="0" smtClean="0"/>
-              <a:t>Dose response</a:t>
-            </a:r>
-          </a:p>
-        </p:txBody>
-      </p:sp>
-      <p:sp>
-        <p:nvSpPr>
-          <p:cNvPr id="19" name="TextBox 18"/>
-          <p:cNvSpPr txBox="1"/>
-          <p:nvPr/>
-        </p:nvSpPr>
-        <p:spPr>
-          <a:xfrm>
-            <a:off x="8012897" y="5602546"/>
-            <a:ext cx="2241447" cy="369332"/>
-          </a:xfrm>
-          <a:prstGeom prst="rect">
-            <a:avLst/>
-          </a:prstGeom>
-        </p:spPr>
-        <p:style>
-          <a:lnRef idx="2">
-            <a:schemeClr val="dk1"/>
-          </a:lnRef>
-          <a:fillRef idx="1">
-            <a:schemeClr val="lt1"/>
-          </a:fillRef>
-          <a:effectRef idx="0">
-            <a:schemeClr val="dk1"/>
-          </a:effectRef>
-          <a:fontRef idx="minor">
-            <a:schemeClr val="dk1"/>
-          </a:fontRef>
-        </p:style>
-        <p:txBody>
-          <a:bodyPr wrap="none" rtlCol="0">
-            <a:spAutoFit/>
-          </a:bodyPr>
-          <a:lstStyle/>
-          <a:p>
-            <a:r>
-              <a:rPr lang="en-GB" dirty="0" smtClean="0"/>
-              <a:t>Risk factor prevalence</a:t>
-            </a:r>
-          </a:p>
-        </p:txBody>
-      </p:sp>
-      <p:sp>
-        <p:nvSpPr>
-          <p:cNvPr id="23" name="TextBox 22"/>
-          <p:cNvSpPr txBox="1"/>
-          <p:nvPr/>
-        </p:nvSpPr>
-        <p:spPr>
-          <a:xfrm>
-            <a:off x="407313" y="1272627"/>
-            <a:ext cx="430887" cy="5409053"/>
-          </a:xfrm>
-          <a:prstGeom prst="rect">
-            <a:avLst/>
-          </a:prstGeom>
-          <a:ln>
-            <a:solidFill>
-              <a:schemeClr val="tx1"/>
-            </a:solidFill>
-          </a:ln>
-        </p:spPr>
-        <p:style>
-          <a:lnRef idx="2">
-            <a:schemeClr val="accent1"/>
-          </a:lnRef>
-          <a:fillRef idx="1">
-            <a:schemeClr val="lt1"/>
-          </a:fillRef>
-          <a:effectRef idx="0">
-            <a:schemeClr val="accent1"/>
-          </a:effectRef>
-          <a:fontRef idx="minor">
-            <a:schemeClr val="dk1"/>
-          </a:fontRef>
-        </p:style>
-        <p:txBody>
-          <a:bodyPr vert="vert270" wrap="square" rtlCol="0">
-            <a:spAutoFit/>
-          </a:bodyPr>
-          <a:lstStyle/>
-          <a:p>
-            <a:pPr algn="ctr"/>
-            <a:r>
-              <a:rPr lang="en-GB" sz="1600" dirty="0" smtClean="0"/>
-              <a:t>Age and sex</a:t>
-            </a:r>
-            <a:endParaRPr lang="en-GB" sz="1600" dirty="0"/>
-          </a:p>
-        </p:txBody>
-      </p:sp>
-      <p:cxnSp>
-        <p:nvCxnSpPr>
-          <p:cNvPr id="25" name="Straight Connector 24"/>
-          <p:cNvCxnSpPr>
-            <a:stCxn id="18" idx="1"/>
-          </p:cNvCxnSpPr>
-          <p:nvPr/>
-        </p:nvCxnSpPr>
-        <p:spPr>
-          <a:xfrm flipH="1">
-            <a:off x="7715805" y="5224386"/>
-            <a:ext cx="297092" cy="0"/>
-          </a:xfrm>
-          <a:prstGeom prst="line">
-            <a:avLst/>
-          </a:prstGeom>
-          <a:ln w="19050">
-            <a:solidFill>
-              <a:schemeClr val="tx1"/>
-            </a:solidFill>
-          </a:ln>
-        </p:spPr>
-        <p:style>
-          <a:lnRef idx="1">
-            <a:schemeClr val="accent1"/>
-          </a:lnRef>
-          <a:fillRef idx="0">
-            <a:schemeClr val="accent1"/>
-          </a:fillRef>
-          <a:effectRef idx="0">
-            <a:schemeClr val="accent1"/>
-          </a:effectRef>
-          <a:fontRef idx="minor">
-            <a:schemeClr val="tx1"/>
-          </a:fontRef>
-        </p:style>
-      </p:cxnSp>
-      <p:cxnSp>
-        <p:nvCxnSpPr>
-          <p:cNvPr id="26" name="Straight Connector 25"/>
-          <p:cNvCxnSpPr/>
-          <p:nvPr/>
-        </p:nvCxnSpPr>
-        <p:spPr>
-          <a:xfrm flipH="1">
-            <a:off x="7715805" y="5770119"/>
-            <a:ext cx="297092" cy="0"/>
-          </a:xfrm>
-          <a:prstGeom prst="line">
-            <a:avLst/>
-          </a:prstGeom>
-          <a:ln w="19050">
-            <a:solidFill>
-              <a:schemeClr val="tx1"/>
-            </a:solidFill>
-          </a:ln>
-        </p:spPr>
-        <p:style>
-          <a:lnRef idx="1">
-            <a:schemeClr val="accent1"/>
-          </a:lnRef>
-          <a:fillRef idx="0">
-            <a:schemeClr val="accent1"/>
-          </a:fillRef>
-          <a:effectRef idx="0">
-            <a:schemeClr val="accent1"/>
-          </a:effectRef>
-          <a:fontRef idx="minor">
-            <a:schemeClr val="tx1"/>
-          </a:fontRef>
-        </p:style>
-      </p:cxnSp>
-      <p:cxnSp>
-        <p:nvCxnSpPr>
-          <p:cNvPr id="27" name="Straight Connector 26"/>
-          <p:cNvCxnSpPr/>
-          <p:nvPr/>
-        </p:nvCxnSpPr>
-        <p:spPr>
-          <a:xfrm>
-            <a:off x="7715805" y="5207293"/>
-            <a:ext cx="0" cy="562826"/>
-          </a:xfrm>
-          <a:prstGeom prst="line">
-            <a:avLst/>
-          </a:prstGeom>
-          <a:ln w="19050">
-            <a:solidFill>
-              <a:schemeClr val="tx1"/>
-            </a:solidFill>
-          </a:ln>
-        </p:spPr>
-        <p:style>
-          <a:lnRef idx="1">
-            <a:schemeClr val="accent1"/>
-          </a:lnRef>
-          <a:fillRef idx="0">
-            <a:schemeClr val="accent1"/>
-          </a:fillRef>
-          <a:effectRef idx="0">
-            <a:schemeClr val="accent1"/>
-          </a:effectRef>
-          <a:fontRef idx="minor">
-            <a:schemeClr val="tx1"/>
-          </a:fontRef>
-        </p:style>
-      </p:cxnSp>
-      <p:sp>
-        <p:nvSpPr>
-          <p:cNvPr id="29" name="TextBox 28"/>
-          <p:cNvSpPr txBox="1"/>
-          <p:nvPr/>
-        </p:nvSpPr>
-        <p:spPr>
-          <a:xfrm>
-            <a:off x="4891500" y="5224386"/>
-            <a:ext cx="1087157" cy="369332"/>
-          </a:xfrm>
-          <a:prstGeom prst="rect">
-            <a:avLst/>
-          </a:prstGeom>
-        </p:spPr>
-        <p:style>
-          <a:lnRef idx="2">
-            <a:schemeClr val="dk1"/>
-          </a:lnRef>
-          <a:fillRef idx="1">
-            <a:schemeClr val="lt1"/>
-          </a:fillRef>
-          <a:effectRef idx="0">
-            <a:schemeClr val="dk1"/>
-          </a:effectRef>
-          <a:fontRef idx="minor">
-            <a:schemeClr val="dk1"/>
-          </a:fontRef>
-        </p:style>
-        <p:txBody>
-          <a:bodyPr wrap="none" rtlCol="0">
-            <a:spAutoFit/>
-          </a:bodyPr>
-          <a:lstStyle/>
-          <a:p>
-            <a:r>
-              <a:rPr lang="en-GB" dirty="0" smtClean="0"/>
-              <a:t>Incidence</a:t>
-            </a:r>
-          </a:p>
-        </p:txBody>
-      </p:sp>
-      <p:cxnSp>
-        <p:nvCxnSpPr>
-          <p:cNvPr id="31" name="Straight Arrow Connector 30"/>
-          <p:cNvCxnSpPr/>
-          <p:nvPr/>
-        </p:nvCxnSpPr>
-        <p:spPr>
-          <a:xfrm flipH="1">
-            <a:off x="5978657" y="5426145"/>
-            <a:ext cx="1727201" cy="0"/>
-          </a:xfrm>
-          <a:prstGeom prst="straightConnector1">
-            <a:avLst/>
-          </a:prstGeom>
-          <a:ln w="19050">
-            <a:solidFill>
-              <a:schemeClr val="tx1"/>
-            </a:solidFill>
-            <a:tailEnd type="triangle"/>
-          </a:ln>
-        </p:spPr>
-        <p:style>
-          <a:lnRef idx="1">
-            <a:schemeClr val="accent1"/>
-          </a:lnRef>
-          <a:fillRef idx="0">
-            <a:schemeClr val="accent1"/>
-          </a:fillRef>
-          <a:effectRef idx="0">
-            <a:schemeClr val="accent1"/>
-          </a:effectRef>
-          <a:fontRef idx="minor">
-            <a:schemeClr val="tx1"/>
-          </a:fontRef>
-        </p:style>
-      </p:cxnSp>
-      <p:cxnSp>
-        <p:nvCxnSpPr>
-          <p:cNvPr id="52" name="Curved Connector 51"/>
-          <p:cNvCxnSpPr/>
-          <p:nvPr/>
-        </p:nvCxnSpPr>
-        <p:spPr>
-          <a:xfrm rot="16200000" flipV="1">
-            <a:off x="5580756" y="4859686"/>
-            <a:ext cx="464049" cy="331753"/>
-          </a:xfrm>
-          <a:prstGeom prst="curvedConnector2">
-            <a:avLst/>
-          </a:prstGeom>
-          <a:ln w="19050">
-            <a:solidFill>
-              <a:schemeClr val="tx1"/>
-            </a:solidFill>
-            <a:tailEnd type="triangle"/>
-          </a:ln>
-        </p:spPr>
-        <p:style>
-          <a:lnRef idx="1">
-            <a:schemeClr val="accent1"/>
-          </a:lnRef>
-          <a:fillRef idx="0">
-            <a:schemeClr val="accent1"/>
-          </a:fillRef>
-          <a:effectRef idx="0">
-            <a:schemeClr val="accent1"/>
-          </a:effectRef>
-          <a:fontRef idx="minor">
-            <a:schemeClr val="tx1"/>
-          </a:fontRef>
-        </p:style>
-      </p:cxnSp>
-      <p:cxnSp>
-        <p:nvCxnSpPr>
-          <p:cNvPr id="56" name="Curved Connector 55"/>
-          <p:cNvCxnSpPr/>
-          <p:nvPr/>
-        </p:nvCxnSpPr>
-        <p:spPr>
-          <a:xfrm rot="16200000" flipV="1">
-            <a:off x="5266334" y="4173546"/>
-            <a:ext cx="464049" cy="331753"/>
-          </a:xfrm>
-          <a:prstGeom prst="curvedConnector2">
-            <a:avLst/>
-          </a:prstGeom>
-          <a:ln w="19050">
-            <a:solidFill>
-              <a:schemeClr val="tx1"/>
-            </a:solidFill>
-            <a:tailEnd type="triangle"/>
-          </a:ln>
-        </p:spPr>
-        <p:style>
-          <a:lnRef idx="1">
-            <a:schemeClr val="accent1"/>
-          </a:lnRef>
-          <a:fillRef idx="0">
-            <a:schemeClr val="accent1"/>
-          </a:fillRef>
-          <a:effectRef idx="0">
-            <a:schemeClr val="accent1"/>
-          </a:effectRef>
-          <a:fontRef idx="minor">
-            <a:schemeClr val="tx1"/>
-          </a:fontRef>
-        </p:style>
-      </p:cxnSp>
-      <p:cxnSp>
-        <p:nvCxnSpPr>
-          <p:cNvPr id="66" name="Straight Connector 65"/>
-          <p:cNvCxnSpPr>
-            <a:stCxn id="13" idx="1"/>
-          </p:cNvCxnSpPr>
-          <p:nvPr/>
-        </p:nvCxnSpPr>
-        <p:spPr>
-          <a:xfrm flipH="1">
-            <a:off x="1663700" y="4057047"/>
-            <a:ext cx="2613301" cy="0"/>
-          </a:xfrm>
-          <a:prstGeom prst="line">
-            <a:avLst/>
-          </a:prstGeom>
-          <a:ln w="19050">
-            <a:solidFill>
-              <a:schemeClr val="tx1"/>
-            </a:solidFill>
-          </a:ln>
-        </p:spPr>
-        <p:style>
-          <a:lnRef idx="1">
-            <a:schemeClr val="accent1"/>
-          </a:lnRef>
-          <a:fillRef idx="0">
-            <a:schemeClr val="accent1"/>
-          </a:fillRef>
-          <a:effectRef idx="0">
-            <a:schemeClr val="accent1"/>
-          </a:effectRef>
-          <a:fontRef idx="minor">
-            <a:schemeClr val="tx1"/>
-          </a:fontRef>
-        </p:style>
-      </p:cxnSp>
-      <p:cxnSp>
-        <p:nvCxnSpPr>
-          <p:cNvPr id="68" name="Straight Arrow Connector 67"/>
-          <p:cNvCxnSpPr/>
-          <p:nvPr/>
-        </p:nvCxnSpPr>
-        <p:spPr>
-          <a:xfrm flipH="1" flipV="1">
-            <a:off x="1663700" y="2069198"/>
-            <a:ext cx="12700" cy="1987849"/>
-          </a:xfrm>
-          <a:prstGeom prst="straightConnector1">
-            <a:avLst/>
-          </a:prstGeom>
-          <a:ln w="19050">
-            <a:solidFill>
-              <a:schemeClr val="tx1"/>
-            </a:solidFill>
-            <a:tailEnd type="triangle"/>
-          </a:ln>
-        </p:spPr>
-        <p:style>
-          <a:lnRef idx="1">
-            <a:schemeClr val="accent1"/>
-          </a:lnRef>
-          <a:fillRef idx="0">
-            <a:schemeClr val="accent1"/>
-          </a:fillRef>
-          <a:effectRef idx="0">
-            <a:schemeClr val="accent1"/>
-          </a:effectRef>
-          <a:fontRef idx="minor">
-            <a:schemeClr val="tx1"/>
-          </a:fontRef>
-        </p:style>
-      </p:cxnSp>
-      <p:cxnSp>
-        <p:nvCxnSpPr>
-          <p:cNvPr id="69" name="Straight Arrow Connector 68"/>
-          <p:cNvCxnSpPr/>
-          <p:nvPr/>
-        </p:nvCxnSpPr>
-        <p:spPr>
-          <a:xfrm flipH="1" flipV="1">
-            <a:off x="2757760" y="2709999"/>
-            <a:ext cx="12700" cy="1987849"/>
-          </a:xfrm>
-          <a:prstGeom prst="straightConnector1">
-            <a:avLst/>
-          </a:prstGeom>
-          <a:ln w="19050">
-            <a:solidFill>
-              <a:schemeClr val="tx1"/>
-            </a:solidFill>
-            <a:tailEnd type="triangle"/>
-          </a:ln>
-        </p:spPr>
-        <p:style>
-          <a:lnRef idx="1">
-            <a:schemeClr val="accent1"/>
-          </a:lnRef>
-          <a:fillRef idx="0">
-            <a:schemeClr val="accent1"/>
-          </a:fillRef>
-          <a:effectRef idx="0">
-            <a:schemeClr val="accent1"/>
-          </a:effectRef>
-          <a:fontRef idx="minor">
-            <a:schemeClr val="tx1"/>
-          </a:fontRef>
-        </p:style>
-      </p:cxnSp>
-      <p:cxnSp>
-        <p:nvCxnSpPr>
-          <p:cNvPr id="70" name="Straight Connector 69"/>
-          <p:cNvCxnSpPr>
-            <a:stCxn id="14" idx="1"/>
-          </p:cNvCxnSpPr>
-          <p:nvPr/>
-        </p:nvCxnSpPr>
-        <p:spPr>
-          <a:xfrm flipH="1" flipV="1">
-            <a:off x="2757761" y="4690333"/>
-            <a:ext cx="1697040" cy="19653"/>
-          </a:xfrm>
-          <a:prstGeom prst="line">
-            <a:avLst/>
-          </a:prstGeom>
-          <a:ln w="19050">
-            <a:solidFill>
-              <a:schemeClr val="tx1"/>
-            </a:solidFill>
-          </a:ln>
-        </p:spPr>
-        <p:style>
-          <a:lnRef idx="1">
-            <a:schemeClr val="accent1"/>
-          </a:lnRef>
-          <a:fillRef idx="0">
-            <a:schemeClr val="accent1"/>
-          </a:fillRef>
-          <a:effectRef idx="0">
-            <a:schemeClr val="accent1"/>
-          </a:effectRef>
-          <a:fontRef idx="minor">
-            <a:schemeClr val="tx1"/>
-          </a:fontRef>
-        </p:style>
-      </p:cxnSp>
-      <p:cxnSp>
-        <p:nvCxnSpPr>
-          <p:cNvPr id="72" name="Curved Connector 71"/>
-          <p:cNvCxnSpPr>
-            <a:stCxn id="6" idx="3"/>
-          </p:cNvCxnSpPr>
-          <p:nvPr/>
-        </p:nvCxnSpPr>
-        <p:spPr>
-          <a:xfrm>
-            <a:off x="2764110" y="1884532"/>
-            <a:ext cx="702990" cy="444442"/>
-          </a:xfrm>
-          <a:prstGeom prst="curvedConnector3">
-            <a:avLst>
-              <a:gd name="adj1" fmla="val 111423"/>
-            </a:avLst>
-          </a:prstGeom>
-          <a:ln w="19050">
-            <a:solidFill>
-              <a:schemeClr val="tx1"/>
-            </a:solidFill>
-            <a:tailEnd type="triangle"/>
-          </a:ln>
-        </p:spPr>
-        <p:style>
-          <a:lnRef idx="1">
-            <a:schemeClr val="accent1"/>
-          </a:lnRef>
-          <a:fillRef idx="0">
-            <a:schemeClr val="accent1"/>
-          </a:fillRef>
-          <a:effectRef idx="0">
-            <a:schemeClr val="accent1"/>
-          </a:effectRef>
-          <a:fontRef idx="minor">
-            <a:schemeClr val="tx1"/>
-          </a:fontRef>
-        </p:style>
-      </p:cxnSp>
-      <p:sp>
-        <p:nvSpPr>
           <p:cNvPr id="32" name="Title 1"/>
           <p:cNvSpPr txBox="1">
             <a:spLocks/>
@@ -22018,268 +21114,1187 @@
           </a:p>
         </p:txBody>
       </p:sp>
-      <p:sp>
-        <p:nvSpPr>
-          <p:cNvPr id="33" name="TextBox 32"/>
-          <p:cNvSpPr txBox="1"/>
+      <p:grpSp>
+        <p:nvGrpSpPr>
+          <p:cNvPr id="2" name="Group 1"/>
+          <p:cNvGrpSpPr/>
           <p:nvPr/>
-        </p:nvSpPr>
-        <p:spPr>
+        </p:nvGrpSpPr>
+        <p:grpSpPr>
           <a:xfrm>
-            <a:off x="4770095" y="1694732"/>
-            <a:ext cx="1623330" cy="369332"/>
+            <a:off x="407313" y="1241849"/>
+            <a:ext cx="11175086" cy="5439831"/>
+            <a:chOff x="407313" y="1241849"/>
+            <a:chExt cx="11175086" cy="5439831"/>
           </a:xfrm>
-          <a:prstGeom prst="rect">
-            <a:avLst/>
-          </a:prstGeom>
-        </p:spPr>
-        <p:style>
-          <a:lnRef idx="2">
-            <a:schemeClr val="dk1"/>
-          </a:lnRef>
-          <a:fillRef idx="1">
-            <a:schemeClr val="lt1"/>
-          </a:fillRef>
-          <a:effectRef idx="0">
-            <a:schemeClr val="dk1"/>
-          </a:effectRef>
-          <a:fontRef idx="minor">
-            <a:schemeClr val="dk1"/>
-          </a:fontRef>
-        </p:style>
-        <p:txBody>
-          <a:bodyPr wrap="none" rtlCol="0">
-            <a:spAutoFit/>
-          </a:bodyPr>
-          <a:lstStyle/>
-          <a:p>
-            <a:r>
-              <a:rPr lang="en-GB" dirty="0" smtClean="0"/>
-              <a:t>Life expectancy</a:t>
-            </a:r>
-          </a:p>
-        </p:txBody>
-      </p:sp>
-      <p:sp>
-        <p:nvSpPr>
-          <p:cNvPr id="34" name="TextBox 33"/>
-          <p:cNvSpPr txBox="1"/>
-          <p:nvPr/>
-        </p:nvSpPr>
-        <p:spPr>
-          <a:xfrm>
-            <a:off x="4770095" y="2305304"/>
-            <a:ext cx="3176382" cy="369332"/>
-          </a:xfrm>
-          <a:prstGeom prst="rect">
-            <a:avLst/>
-          </a:prstGeom>
-        </p:spPr>
-        <p:style>
-          <a:lnRef idx="2">
-            <a:schemeClr val="dk1"/>
-          </a:lnRef>
-          <a:fillRef idx="1">
-            <a:schemeClr val="lt1"/>
-          </a:fillRef>
-          <a:effectRef idx="0">
-            <a:schemeClr val="dk1"/>
-          </a:effectRef>
-          <a:fontRef idx="minor">
-            <a:schemeClr val="dk1"/>
-          </a:fontRef>
-        </p:style>
-        <p:txBody>
-          <a:bodyPr wrap="none" rtlCol="0">
-            <a:spAutoFit/>
-          </a:bodyPr>
-          <a:lstStyle/>
-          <a:p>
-            <a:r>
-              <a:rPr lang="en-GB" dirty="0" smtClean="0"/>
-              <a:t>Health-adjusted life expectancy</a:t>
-            </a:r>
-          </a:p>
-        </p:txBody>
-      </p:sp>
-      <p:cxnSp>
-        <p:nvCxnSpPr>
-          <p:cNvPr id="9" name="Straight Arrow Connector 8"/>
-          <p:cNvCxnSpPr/>
-          <p:nvPr/>
-        </p:nvCxnSpPr>
-        <p:spPr>
-          <a:xfrm>
-            <a:off x="2770460" y="1884532"/>
-            <a:ext cx="1999635" cy="0"/>
-          </a:xfrm>
-          <a:prstGeom prst="straightConnector1">
-            <a:avLst/>
-          </a:prstGeom>
-          <a:ln>
+        </p:grpSpPr>
+        <p:sp>
+          <p:nvSpPr>
+            <p:cNvPr id="6" name="TextBox 5"/>
+            <p:cNvSpPr txBox="1"/>
+            <p:nvPr/>
+          </p:nvSpPr>
+          <p:spPr>
+            <a:xfrm>
+              <a:off x="1204452" y="1699866"/>
+              <a:ext cx="1559658" cy="369332"/>
+            </a:xfrm>
+            <a:prstGeom prst="rect">
+              <a:avLst/>
+            </a:prstGeom>
+          </p:spPr>
+          <p:style>
+            <a:lnRef idx="2">
+              <a:schemeClr val="dk1"/>
+            </a:lnRef>
+            <a:fillRef idx="1">
+              <a:schemeClr val="lt1"/>
+            </a:fillRef>
+            <a:effectRef idx="0">
+              <a:schemeClr val="dk1"/>
+            </a:effectRef>
+            <a:fontRef idx="minor">
+              <a:schemeClr val="dk1"/>
+            </a:fontRef>
+          </p:style>
+          <p:txBody>
+            <a:bodyPr wrap="none" rtlCol="0">
+              <a:spAutoFit/>
+            </a:bodyPr>
+            <a:lstStyle/>
+            <a:p>
+              <a:r>
+                <a:rPr lang="en-GB" dirty="0" smtClean="0"/>
+                <a:t>Life years lived</a:t>
+              </a:r>
+            </a:p>
+          </p:txBody>
+        </p:sp>
+        <p:sp>
+          <p:nvSpPr>
+            <p:cNvPr id="7" name="TextBox 6"/>
+            <p:cNvSpPr txBox="1"/>
+            <p:nvPr/>
+          </p:nvSpPr>
+          <p:spPr>
+            <a:xfrm>
+              <a:off x="1848580" y="2341112"/>
+              <a:ext cx="2552302" cy="369332"/>
+            </a:xfrm>
+            <a:prstGeom prst="rect">
+              <a:avLst/>
+            </a:prstGeom>
+          </p:spPr>
+          <p:style>
+            <a:lnRef idx="2">
+              <a:schemeClr val="dk1"/>
+            </a:lnRef>
+            <a:fillRef idx="1">
+              <a:schemeClr val="lt1"/>
+            </a:fillRef>
+            <a:effectRef idx="0">
+              <a:schemeClr val="dk1"/>
+            </a:effectRef>
+            <a:fontRef idx="minor">
+              <a:schemeClr val="dk1"/>
+            </a:fontRef>
+          </p:style>
+          <p:txBody>
+            <a:bodyPr wrap="none" rtlCol="0">
+              <a:spAutoFit/>
+            </a:bodyPr>
+            <a:lstStyle/>
+            <a:p>
+              <a:r>
+                <a:rPr lang="en-GB" dirty="0" smtClean="0"/>
+                <a:t>Health adjusted life years</a:t>
+              </a:r>
+            </a:p>
+          </p:txBody>
+        </p:sp>
+        <p:sp>
+          <p:nvSpPr>
+            <p:cNvPr id="11" name="TextBox 10"/>
+            <p:cNvSpPr txBox="1"/>
+            <p:nvPr/>
+          </p:nvSpPr>
+          <p:spPr>
+            <a:xfrm>
+              <a:off x="1204452" y="1245500"/>
+              <a:ext cx="10377947" cy="338554"/>
+            </a:xfrm>
+            <a:prstGeom prst="rect">
+              <a:avLst/>
+            </a:prstGeom>
             <a:solidFill>
+              <a:schemeClr val="bg2"/>
+            </a:solidFill>
+            <a:ln w="28575">
+              <a:solidFill>
+                <a:schemeClr val="tx1"/>
+              </a:solidFill>
+            </a:ln>
+          </p:spPr>
+          <p:style>
+            <a:lnRef idx="2">
+              <a:schemeClr val="accent1"/>
+            </a:lnRef>
+            <a:fillRef idx="1">
+              <a:schemeClr val="lt1"/>
+            </a:fillRef>
+            <a:effectRef idx="0">
+              <a:schemeClr val="accent1"/>
+            </a:effectRef>
+            <a:fontRef idx="minor">
+              <a:schemeClr val="dk1"/>
+            </a:fontRef>
+          </p:style>
+          <p:txBody>
+            <a:bodyPr wrap="square" rtlCol="0">
+              <a:spAutoFit/>
+            </a:bodyPr>
+            <a:lstStyle/>
+            <a:p>
+              <a:pPr algn="ctr"/>
+              <a:r>
+                <a:rPr lang="en-GB" sz="1600" b="1" dirty="0"/>
+                <a:t>L</a:t>
+              </a:r>
+              <a:r>
+                <a:rPr lang="en-GB" sz="1600" b="1" dirty="0" smtClean="0"/>
+                <a:t>ife table</a:t>
+              </a:r>
+              <a:endParaRPr lang="en-GB" sz="1600" b="1" dirty="0"/>
+            </a:p>
+          </p:txBody>
+        </p:sp>
+        <p:sp>
+          <p:nvSpPr>
+            <p:cNvPr id="12" name="TextBox 11"/>
+            <p:cNvSpPr txBox="1"/>
+            <p:nvPr/>
+          </p:nvSpPr>
+          <p:spPr>
+            <a:xfrm>
+              <a:off x="4277001" y="3365370"/>
+              <a:ext cx="7234237" cy="338554"/>
+            </a:xfrm>
+            <a:prstGeom prst="rect">
+              <a:avLst/>
+            </a:prstGeom>
+            <a:solidFill>
+              <a:schemeClr val="bg2"/>
+            </a:solidFill>
+            <a:ln w="28575">
+              <a:solidFill>
+                <a:schemeClr val="tx1"/>
+              </a:solidFill>
+            </a:ln>
+          </p:spPr>
+          <p:style>
+            <a:lnRef idx="2">
+              <a:schemeClr val="accent1"/>
+            </a:lnRef>
+            <a:fillRef idx="1">
+              <a:schemeClr val="lt1"/>
+            </a:fillRef>
+            <a:effectRef idx="0">
+              <a:schemeClr val="accent1"/>
+            </a:effectRef>
+            <a:fontRef idx="minor">
+              <a:schemeClr val="dk1"/>
+            </a:fontRef>
+          </p:style>
+          <p:txBody>
+            <a:bodyPr wrap="square" rtlCol="0">
+              <a:spAutoFit/>
+            </a:bodyPr>
+            <a:lstStyle/>
+            <a:p>
+              <a:pPr algn="ctr"/>
+              <a:r>
+                <a:rPr lang="en-GB" sz="1600" b="1" dirty="0" smtClean="0"/>
+                <a:t>Disease specific life table</a:t>
+              </a:r>
+              <a:endParaRPr lang="en-GB" sz="1600" b="1" dirty="0"/>
+            </a:p>
+          </p:txBody>
+        </p:sp>
+        <p:sp>
+          <p:nvSpPr>
+            <p:cNvPr id="13" name="TextBox 12"/>
+            <p:cNvSpPr txBox="1"/>
+            <p:nvPr/>
+          </p:nvSpPr>
+          <p:spPr>
+            <a:xfrm>
+              <a:off x="4277001" y="3872381"/>
+              <a:ext cx="1055482" cy="369332"/>
+            </a:xfrm>
+            <a:prstGeom prst="rect">
+              <a:avLst/>
+            </a:prstGeom>
+          </p:spPr>
+          <p:style>
+            <a:lnRef idx="2">
+              <a:schemeClr val="dk1"/>
+            </a:lnRef>
+            <a:fillRef idx="1">
+              <a:schemeClr val="lt1"/>
+            </a:fillRef>
+            <a:effectRef idx="0">
+              <a:schemeClr val="dk1"/>
+            </a:effectRef>
+            <a:fontRef idx="minor">
+              <a:schemeClr val="dk1"/>
+            </a:fontRef>
+          </p:style>
+          <p:txBody>
+            <a:bodyPr wrap="none" rtlCol="0">
+              <a:spAutoFit/>
+            </a:bodyPr>
+            <a:lstStyle/>
+            <a:p>
+              <a:r>
+                <a:rPr lang="en-GB" dirty="0" smtClean="0"/>
+                <a:t>Mortality</a:t>
+              </a:r>
+            </a:p>
+          </p:txBody>
+        </p:sp>
+        <p:sp>
+          <p:nvSpPr>
+            <p:cNvPr id="14" name="TextBox 13"/>
+            <p:cNvSpPr txBox="1"/>
+            <p:nvPr/>
+          </p:nvSpPr>
+          <p:spPr>
+            <a:xfrm>
+              <a:off x="4454801" y="4525320"/>
+              <a:ext cx="1209434" cy="369332"/>
+            </a:xfrm>
+            <a:prstGeom prst="rect">
+              <a:avLst/>
+            </a:prstGeom>
+          </p:spPr>
+          <p:style>
+            <a:lnRef idx="2">
+              <a:schemeClr val="dk1"/>
+            </a:lnRef>
+            <a:fillRef idx="1">
+              <a:schemeClr val="lt1"/>
+            </a:fillRef>
+            <a:effectRef idx="0">
+              <a:schemeClr val="dk1"/>
+            </a:effectRef>
+            <a:fontRef idx="minor">
+              <a:schemeClr val="dk1"/>
+            </a:fontRef>
+          </p:style>
+          <p:txBody>
+            <a:bodyPr wrap="none" rtlCol="0">
+              <a:spAutoFit/>
+            </a:bodyPr>
+            <a:lstStyle/>
+            <a:p>
+              <a:r>
+                <a:rPr lang="en-GB" dirty="0" smtClean="0"/>
+                <a:t>Prevalence</a:t>
+              </a:r>
+            </a:p>
+          </p:txBody>
+        </p:sp>
+        <p:sp>
+          <p:nvSpPr>
+            <p:cNvPr id="15" name="TextBox 14"/>
+            <p:cNvSpPr txBox="1"/>
+            <p:nvPr/>
+          </p:nvSpPr>
+          <p:spPr>
+            <a:xfrm>
+              <a:off x="7799812" y="4236802"/>
+              <a:ext cx="3718387" cy="338554"/>
+            </a:xfrm>
+            <a:prstGeom prst="rect">
+              <a:avLst/>
+            </a:prstGeom>
+            <a:solidFill>
+              <a:schemeClr val="bg2"/>
+            </a:solidFill>
+            <a:ln w="28575">
+              <a:solidFill>
+                <a:schemeClr val="tx1"/>
+              </a:solidFill>
+            </a:ln>
+          </p:spPr>
+          <p:style>
+            <a:lnRef idx="2">
+              <a:schemeClr val="accent1"/>
+            </a:lnRef>
+            <a:fillRef idx="1">
+              <a:schemeClr val="lt1"/>
+            </a:fillRef>
+            <a:effectRef idx="0">
+              <a:schemeClr val="accent1"/>
+            </a:effectRef>
+            <a:fontRef idx="minor">
+              <a:schemeClr val="dk1"/>
+            </a:fontRef>
+          </p:style>
+          <p:txBody>
+            <a:bodyPr wrap="square" rtlCol="0">
+              <a:spAutoFit/>
+            </a:bodyPr>
+            <a:lstStyle/>
+            <a:p>
+              <a:pPr algn="ctr"/>
+              <a:r>
+                <a:rPr lang="en-GB" sz="1600" b="1" dirty="0" smtClean="0"/>
+                <a:t>Potential impact factor</a:t>
+              </a:r>
+              <a:endParaRPr lang="en-GB" sz="1600" b="1" dirty="0"/>
+            </a:p>
+          </p:txBody>
+        </p:sp>
+        <p:sp>
+          <p:nvSpPr>
+            <p:cNvPr id="18" name="TextBox 17"/>
+            <p:cNvSpPr txBox="1"/>
+            <p:nvPr/>
+          </p:nvSpPr>
+          <p:spPr>
+            <a:xfrm>
+              <a:off x="8012897" y="5039720"/>
+              <a:ext cx="1560235" cy="369332"/>
+            </a:xfrm>
+            <a:prstGeom prst="rect">
+              <a:avLst/>
+            </a:prstGeom>
+          </p:spPr>
+          <p:style>
+            <a:lnRef idx="2">
+              <a:schemeClr val="dk1"/>
+            </a:lnRef>
+            <a:fillRef idx="1">
+              <a:schemeClr val="lt1"/>
+            </a:fillRef>
+            <a:effectRef idx="0">
+              <a:schemeClr val="dk1"/>
+            </a:effectRef>
+            <a:fontRef idx="minor">
+              <a:schemeClr val="dk1"/>
+            </a:fontRef>
+          </p:style>
+          <p:txBody>
+            <a:bodyPr wrap="none" rtlCol="0">
+              <a:spAutoFit/>
+            </a:bodyPr>
+            <a:lstStyle/>
+            <a:p>
+              <a:r>
+                <a:rPr lang="en-GB" dirty="0" smtClean="0"/>
+                <a:t>Dose response</a:t>
+              </a:r>
+            </a:p>
+          </p:txBody>
+        </p:sp>
+        <p:sp>
+          <p:nvSpPr>
+            <p:cNvPr id="19" name="TextBox 18"/>
+            <p:cNvSpPr txBox="1"/>
+            <p:nvPr/>
+          </p:nvSpPr>
+          <p:spPr>
+            <a:xfrm>
+              <a:off x="8012897" y="5602546"/>
+              <a:ext cx="2241447" cy="369332"/>
+            </a:xfrm>
+            <a:prstGeom prst="rect">
+              <a:avLst/>
+            </a:prstGeom>
+          </p:spPr>
+          <p:style>
+            <a:lnRef idx="2">
+              <a:schemeClr val="dk1"/>
+            </a:lnRef>
+            <a:fillRef idx="1">
+              <a:schemeClr val="lt1"/>
+            </a:fillRef>
+            <a:effectRef idx="0">
+              <a:schemeClr val="dk1"/>
+            </a:effectRef>
+            <a:fontRef idx="minor">
+              <a:schemeClr val="dk1"/>
+            </a:fontRef>
+          </p:style>
+          <p:txBody>
+            <a:bodyPr wrap="none" rtlCol="0">
+              <a:spAutoFit/>
+            </a:bodyPr>
+            <a:lstStyle/>
+            <a:p>
+              <a:r>
+                <a:rPr lang="en-GB" dirty="0" smtClean="0"/>
+                <a:t>Risk factor prevalence</a:t>
+              </a:r>
+            </a:p>
+          </p:txBody>
+        </p:sp>
+        <p:sp>
+          <p:nvSpPr>
+            <p:cNvPr id="23" name="TextBox 22"/>
+            <p:cNvSpPr txBox="1"/>
+            <p:nvPr/>
+          </p:nvSpPr>
+          <p:spPr>
+            <a:xfrm>
+              <a:off x="407313" y="1272627"/>
+              <a:ext cx="430887" cy="5409053"/>
+            </a:xfrm>
+            <a:prstGeom prst="rect">
+              <a:avLst/>
+            </a:prstGeom>
+            <a:ln>
+              <a:solidFill>
+                <a:schemeClr val="tx1"/>
+              </a:solidFill>
+            </a:ln>
+          </p:spPr>
+          <p:style>
+            <a:lnRef idx="2">
+              <a:schemeClr val="accent1"/>
+            </a:lnRef>
+            <a:fillRef idx="1">
+              <a:schemeClr val="lt1"/>
+            </a:fillRef>
+            <a:effectRef idx="0">
+              <a:schemeClr val="accent1"/>
+            </a:effectRef>
+            <a:fontRef idx="minor">
+              <a:schemeClr val="dk1"/>
+            </a:fontRef>
+          </p:style>
+          <p:txBody>
+            <a:bodyPr vert="vert270" wrap="square" rtlCol="0">
+              <a:spAutoFit/>
+            </a:bodyPr>
+            <a:lstStyle/>
+            <a:p>
+              <a:pPr algn="ctr"/>
+              <a:r>
+                <a:rPr lang="en-GB" sz="1600" dirty="0" smtClean="0"/>
+                <a:t>Age and sex</a:t>
+              </a:r>
+              <a:endParaRPr lang="en-GB" sz="1600" dirty="0"/>
+            </a:p>
+          </p:txBody>
+        </p:sp>
+        <p:cxnSp>
+          <p:nvCxnSpPr>
+            <p:cNvPr id="25" name="Straight Connector 24"/>
+            <p:cNvCxnSpPr>
+              <a:stCxn id="18" idx="1"/>
+            </p:cNvCxnSpPr>
+            <p:nvPr/>
+          </p:nvCxnSpPr>
+          <p:spPr>
+            <a:xfrm flipH="1">
+              <a:off x="7715805" y="5224386"/>
+              <a:ext cx="297092" cy="0"/>
+            </a:xfrm>
+            <a:prstGeom prst="line">
+              <a:avLst/>
+            </a:prstGeom>
+            <a:ln w="19050">
+              <a:solidFill>
+                <a:schemeClr val="tx1"/>
+              </a:solidFill>
+            </a:ln>
+          </p:spPr>
+          <p:style>
+            <a:lnRef idx="1">
+              <a:schemeClr val="accent1"/>
+            </a:lnRef>
+            <a:fillRef idx="0">
+              <a:schemeClr val="accent1"/>
+            </a:fillRef>
+            <a:effectRef idx="0">
+              <a:schemeClr val="accent1"/>
+            </a:effectRef>
+            <a:fontRef idx="minor">
               <a:schemeClr val="tx1"/>
-            </a:solidFill>
-            <a:tailEnd type="triangle"/>
-          </a:ln>
-        </p:spPr>
-        <p:style>
-          <a:lnRef idx="1">
-            <a:schemeClr val="accent1"/>
-          </a:lnRef>
-          <a:fillRef idx="0">
-            <a:schemeClr val="accent1"/>
-          </a:fillRef>
-          <a:effectRef idx="0">
-            <a:schemeClr val="accent1"/>
-          </a:effectRef>
-          <a:fontRef idx="minor">
-            <a:schemeClr val="tx1"/>
-          </a:fontRef>
-        </p:style>
-      </p:cxnSp>
-      <p:cxnSp>
-        <p:nvCxnSpPr>
-          <p:cNvPr id="35" name="Straight Arrow Connector 34"/>
-          <p:cNvCxnSpPr>
-            <a:endCxn id="34" idx="1"/>
-          </p:cNvCxnSpPr>
-          <p:nvPr/>
-        </p:nvCxnSpPr>
-        <p:spPr>
-          <a:xfrm flipV="1">
-            <a:off x="4400882" y="2489970"/>
-            <a:ext cx="369213" cy="0"/>
-          </a:xfrm>
-          <a:prstGeom prst="straightConnector1">
-            <a:avLst/>
-          </a:prstGeom>
-          <a:ln>
-            <a:solidFill>
+            </a:fontRef>
+          </p:style>
+        </p:cxnSp>
+        <p:cxnSp>
+          <p:nvCxnSpPr>
+            <p:cNvPr id="26" name="Straight Connector 25"/>
+            <p:cNvCxnSpPr/>
+            <p:nvPr/>
+          </p:nvCxnSpPr>
+          <p:spPr>
+            <a:xfrm flipH="1">
+              <a:off x="7715805" y="5770119"/>
+              <a:ext cx="297092" cy="0"/>
+            </a:xfrm>
+            <a:prstGeom prst="line">
+              <a:avLst/>
+            </a:prstGeom>
+            <a:ln w="19050">
+              <a:solidFill>
+                <a:schemeClr val="tx1"/>
+              </a:solidFill>
+            </a:ln>
+          </p:spPr>
+          <p:style>
+            <a:lnRef idx="1">
+              <a:schemeClr val="accent1"/>
+            </a:lnRef>
+            <a:fillRef idx="0">
+              <a:schemeClr val="accent1"/>
+            </a:fillRef>
+            <a:effectRef idx="0">
+              <a:schemeClr val="accent1"/>
+            </a:effectRef>
+            <a:fontRef idx="minor">
               <a:schemeClr val="tx1"/>
-            </a:solidFill>
-            <a:tailEnd type="triangle"/>
-          </a:ln>
-        </p:spPr>
-        <p:style>
-          <a:lnRef idx="1">
-            <a:schemeClr val="accent1"/>
-          </a:lnRef>
-          <a:fillRef idx="0">
-            <a:schemeClr val="accent1"/>
-          </a:fillRef>
-          <a:effectRef idx="0">
-            <a:schemeClr val="accent1"/>
-          </a:effectRef>
-          <a:fontRef idx="minor">
-            <a:schemeClr val="tx1"/>
-          </a:fontRef>
-        </p:style>
-      </p:cxnSp>
-      <p:sp>
-        <p:nvSpPr>
-          <p:cNvPr id="16" name="TextBox 15"/>
-          <p:cNvSpPr txBox="1"/>
-          <p:nvPr/>
-        </p:nvSpPr>
-        <p:spPr>
-          <a:xfrm>
-            <a:off x="7799812" y="4219863"/>
-            <a:ext cx="426445" cy="338400"/>
-          </a:xfrm>
-          <a:prstGeom prst="rect">
-            <a:avLst/>
-          </a:prstGeom>
-          <a:noFill/>
-          <a:ln>
-            <a:solidFill>
+            </a:fontRef>
+          </p:style>
+        </p:cxnSp>
+        <p:cxnSp>
+          <p:nvCxnSpPr>
+            <p:cNvPr id="27" name="Straight Connector 26"/>
+            <p:cNvCxnSpPr/>
+            <p:nvPr/>
+          </p:nvCxnSpPr>
+          <p:spPr>
+            <a:xfrm>
+              <a:off x="7715805" y="5207293"/>
+              <a:ext cx="0" cy="562826"/>
+            </a:xfrm>
+            <a:prstGeom prst="line">
+              <a:avLst/>
+            </a:prstGeom>
+            <a:ln w="19050">
+              <a:solidFill>
+                <a:schemeClr val="tx1"/>
+              </a:solidFill>
+            </a:ln>
+          </p:spPr>
+          <p:style>
+            <a:lnRef idx="1">
+              <a:schemeClr val="accent1"/>
+            </a:lnRef>
+            <a:fillRef idx="0">
+              <a:schemeClr val="accent1"/>
+            </a:fillRef>
+            <a:effectRef idx="0">
+              <a:schemeClr val="accent1"/>
+            </a:effectRef>
+            <a:fontRef idx="minor">
               <a:schemeClr val="tx1"/>
-            </a:solidFill>
-          </a:ln>
-        </p:spPr>
-        <p:txBody>
-          <a:bodyPr wrap="square" rtlCol="0">
-            <a:spAutoFit/>
-          </a:bodyPr>
-          <a:lstStyle/>
-          <a:p>
-            <a:r>
-              <a:rPr lang="en-GB" b="1" dirty="0" smtClean="0"/>
-              <a:t>1</a:t>
-            </a:r>
-            <a:endParaRPr lang="en-GB" b="1" dirty="0"/>
-          </a:p>
-        </p:txBody>
-      </p:sp>
-      <p:sp>
-        <p:nvSpPr>
-          <p:cNvPr id="39" name="TextBox 38"/>
-          <p:cNvSpPr txBox="1"/>
-          <p:nvPr/>
-        </p:nvSpPr>
-        <p:spPr>
-          <a:xfrm>
-            <a:off x="4263575" y="3353868"/>
-            <a:ext cx="426445" cy="338400"/>
-          </a:xfrm>
-          <a:prstGeom prst="rect">
-            <a:avLst/>
-          </a:prstGeom>
-          <a:noFill/>
-          <a:ln>
-            <a:solidFill>
+            </a:fontRef>
+          </p:style>
+        </p:cxnSp>
+        <p:sp>
+          <p:nvSpPr>
+            <p:cNvPr id="29" name="TextBox 28"/>
+            <p:cNvSpPr txBox="1"/>
+            <p:nvPr/>
+          </p:nvSpPr>
+          <p:spPr>
+            <a:xfrm>
+              <a:off x="4891500" y="5224386"/>
+              <a:ext cx="1087157" cy="369332"/>
+            </a:xfrm>
+            <a:prstGeom prst="rect">
+              <a:avLst/>
+            </a:prstGeom>
+          </p:spPr>
+          <p:style>
+            <a:lnRef idx="2">
+              <a:schemeClr val="dk1"/>
+            </a:lnRef>
+            <a:fillRef idx="1">
+              <a:schemeClr val="lt1"/>
+            </a:fillRef>
+            <a:effectRef idx="0">
+              <a:schemeClr val="dk1"/>
+            </a:effectRef>
+            <a:fontRef idx="minor">
+              <a:schemeClr val="dk1"/>
+            </a:fontRef>
+          </p:style>
+          <p:txBody>
+            <a:bodyPr wrap="none" rtlCol="0">
+              <a:spAutoFit/>
+            </a:bodyPr>
+            <a:lstStyle/>
+            <a:p>
+              <a:r>
+                <a:rPr lang="en-GB" dirty="0" smtClean="0"/>
+                <a:t>Incidence</a:t>
+              </a:r>
+            </a:p>
+          </p:txBody>
+        </p:sp>
+        <p:cxnSp>
+          <p:nvCxnSpPr>
+            <p:cNvPr id="31" name="Straight Arrow Connector 30"/>
+            <p:cNvCxnSpPr/>
+            <p:nvPr/>
+          </p:nvCxnSpPr>
+          <p:spPr>
+            <a:xfrm flipH="1">
+              <a:off x="5978657" y="5426145"/>
+              <a:ext cx="1727201" cy="0"/>
+            </a:xfrm>
+            <a:prstGeom prst="straightConnector1">
+              <a:avLst/>
+            </a:prstGeom>
+            <a:ln w="19050">
+              <a:solidFill>
+                <a:schemeClr val="tx1"/>
+              </a:solidFill>
+              <a:tailEnd type="triangle"/>
+            </a:ln>
+          </p:spPr>
+          <p:style>
+            <a:lnRef idx="1">
+              <a:schemeClr val="accent1"/>
+            </a:lnRef>
+            <a:fillRef idx="0">
+              <a:schemeClr val="accent1"/>
+            </a:fillRef>
+            <a:effectRef idx="0">
+              <a:schemeClr val="accent1"/>
+            </a:effectRef>
+            <a:fontRef idx="minor">
               <a:schemeClr val="tx1"/>
-            </a:solidFill>
-          </a:ln>
-        </p:spPr>
-        <p:txBody>
-          <a:bodyPr wrap="square" rtlCol="0">
-            <a:spAutoFit/>
-          </a:bodyPr>
-          <a:lstStyle/>
-          <a:p>
-            <a:r>
-              <a:rPr lang="en-GB" b="1" dirty="0"/>
-              <a:t>2</a:t>
-            </a:r>
-          </a:p>
-        </p:txBody>
-      </p:sp>
-      <p:sp>
-        <p:nvSpPr>
-          <p:cNvPr id="40" name="TextBox 39"/>
-          <p:cNvSpPr txBox="1"/>
-          <p:nvPr/>
-        </p:nvSpPr>
-        <p:spPr>
-          <a:xfrm>
-            <a:off x="1204452" y="1241849"/>
-            <a:ext cx="426445" cy="338400"/>
-          </a:xfrm>
-          <a:prstGeom prst="rect">
-            <a:avLst/>
-          </a:prstGeom>
-          <a:noFill/>
-          <a:ln>
-            <a:solidFill>
+            </a:fontRef>
+          </p:style>
+        </p:cxnSp>
+        <p:cxnSp>
+          <p:nvCxnSpPr>
+            <p:cNvPr id="52" name="Curved Connector 51"/>
+            <p:cNvCxnSpPr/>
+            <p:nvPr/>
+          </p:nvCxnSpPr>
+          <p:spPr>
+            <a:xfrm rot="16200000" flipV="1">
+              <a:off x="5580756" y="4859686"/>
+              <a:ext cx="464049" cy="331753"/>
+            </a:xfrm>
+            <a:prstGeom prst="curvedConnector2">
+              <a:avLst/>
+            </a:prstGeom>
+            <a:ln w="19050">
+              <a:solidFill>
+                <a:schemeClr val="tx1"/>
+              </a:solidFill>
+              <a:tailEnd type="triangle"/>
+            </a:ln>
+          </p:spPr>
+          <p:style>
+            <a:lnRef idx="1">
+              <a:schemeClr val="accent1"/>
+            </a:lnRef>
+            <a:fillRef idx="0">
+              <a:schemeClr val="accent1"/>
+            </a:fillRef>
+            <a:effectRef idx="0">
+              <a:schemeClr val="accent1"/>
+            </a:effectRef>
+            <a:fontRef idx="minor">
               <a:schemeClr val="tx1"/>
-            </a:solidFill>
-          </a:ln>
-        </p:spPr>
-        <p:txBody>
-          <a:bodyPr wrap="square" rtlCol="0">
-            <a:spAutoFit/>
-          </a:bodyPr>
-          <a:lstStyle/>
-          <a:p>
-            <a:r>
-              <a:rPr lang="en-GB" b="1" dirty="0" smtClean="0"/>
-              <a:t>3</a:t>
-            </a:r>
-            <a:endParaRPr lang="en-GB" b="1" dirty="0"/>
-          </a:p>
-        </p:txBody>
-      </p:sp>
+            </a:fontRef>
+          </p:style>
+        </p:cxnSp>
+        <p:cxnSp>
+          <p:nvCxnSpPr>
+            <p:cNvPr id="56" name="Curved Connector 55"/>
+            <p:cNvCxnSpPr/>
+            <p:nvPr/>
+          </p:nvCxnSpPr>
+          <p:spPr>
+            <a:xfrm rot="16200000" flipV="1">
+              <a:off x="5266334" y="4173546"/>
+              <a:ext cx="464049" cy="331753"/>
+            </a:xfrm>
+            <a:prstGeom prst="curvedConnector2">
+              <a:avLst/>
+            </a:prstGeom>
+            <a:ln w="19050">
+              <a:solidFill>
+                <a:schemeClr val="tx1"/>
+              </a:solidFill>
+              <a:tailEnd type="triangle"/>
+            </a:ln>
+          </p:spPr>
+          <p:style>
+            <a:lnRef idx="1">
+              <a:schemeClr val="accent1"/>
+            </a:lnRef>
+            <a:fillRef idx="0">
+              <a:schemeClr val="accent1"/>
+            </a:fillRef>
+            <a:effectRef idx="0">
+              <a:schemeClr val="accent1"/>
+            </a:effectRef>
+            <a:fontRef idx="minor">
+              <a:schemeClr val="tx1"/>
+            </a:fontRef>
+          </p:style>
+        </p:cxnSp>
+        <p:cxnSp>
+          <p:nvCxnSpPr>
+            <p:cNvPr id="66" name="Straight Connector 65"/>
+            <p:cNvCxnSpPr>
+              <a:stCxn id="13" idx="1"/>
+            </p:cNvCxnSpPr>
+            <p:nvPr/>
+          </p:nvCxnSpPr>
+          <p:spPr>
+            <a:xfrm flipH="1">
+              <a:off x="1663700" y="4057047"/>
+              <a:ext cx="2613301" cy="0"/>
+            </a:xfrm>
+            <a:prstGeom prst="line">
+              <a:avLst/>
+            </a:prstGeom>
+            <a:ln w="19050">
+              <a:solidFill>
+                <a:schemeClr val="tx1"/>
+              </a:solidFill>
+            </a:ln>
+          </p:spPr>
+          <p:style>
+            <a:lnRef idx="1">
+              <a:schemeClr val="accent1"/>
+            </a:lnRef>
+            <a:fillRef idx="0">
+              <a:schemeClr val="accent1"/>
+            </a:fillRef>
+            <a:effectRef idx="0">
+              <a:schemeClr val="accent1"/>
+            </a:effectRef>
+            <a:fontRef idx="minor">
+              <a:schemeClr val="tx1"/>
+            </a:fontRef>
+          </p:style>
+        </p:cxnSp>
+        <p:cxnSp>
+          <p:nvCxnSpPr>
+            <p:cNvPr id="68" name="Straight Arrow Connector 67"/>
+            <p:cNvCxnSpPr/>
+            <p:nvPr/>
+          </p:nvCxnSpPr>
+          <p:spPr>
+            <a:xfrm flipH="1" flipV="1">
+              <a:off x="1663700" y="2069198"/>
+              <a:ext cx="12700" cy="1987849"/>
+            </a:xfrm>
+            <a:prstGeom prst="straightConnector1">
+              <a:avLst/>
+            </a:prstGeom>
+            <a:ln w="19050">
+              <a:solidFill>
+                <a:schemeClr val="tx1"/>
+              </a:solidFill>
+              <a:tailEnd type="triangle"/>
+            </a:ln>
+          </p:spPr>
+          <p:style>
+            <a:lnRef idx="1">
+              <a:schemeClr val="accent1"/>
+            </a:lnRef>
+            <a:fillRef idx="0">
+              <a:schemeClr val="accent1"/>
+            </a:fillRef>
+            <a:effectRef idx="0">
+              <a:schemeClr val="accent1"/>
+            </a:effectRef>
+            <a:fontRef idx="minor">
+              <a:schemeClr val="tx1"/>
+            </a:fontRef>
+          </p:style>
+        </p:cxnSp>
+        <p:cxnSp>
+          <p:nvCxnSpPr>
+            <p:cNvPr id="69" name="Straight Arrow Connector 68"/>
+            <p:cNvCxnSpPr/>
+            <p:nvPr/>
+          </p:nvCxnSpPr>
+          <p:spPr>
+            <a:xfrm flipH="1" flipV="1">
+              <a:off x="2757760" y="2709999"/>
+              <a:ext cx="12700" cy="1987849"/>
+            </a:xfrm>
+            <a:prstGeom prst="straightConnector1">
+              <a:avLst/>
+            </a:prstGeom>
+            <a:ln w="19050">
+              <a:solidFill>
+                <a:schemeClr val="tx1"/>
+              </a:solidFill>
+              <a:tailEnd type="triangle"/>
+            </a:ln>
+          </p:spPr>
+          <p:style>
+            <a:lnRef idx="1">
+              <a:schemeClr val="accent1"/>
+            </a:lnRef>
+            <a:fillRef idx="0">
+              <a:schemeClr val="accent1"/>
+            </a:fillRef>
+            <a:effectRef idx="0">
+              <a:schemeClr val="accent1"/>
+            </a:effectRef>
+            <a:fontRef idx="minor">
+              <a:schemeClr val="tx1"/>
+            </a:fontRef>
+          </p:style>
+        </p:cxnSp>
+        <p:cxnSp>
+          <p:nvCxnSpPr>
+            <p:cNvPr id="70" name="Straight Connector 69"/>
+            <p:cNvCxnSpPr>
+              <a:stCxn id="14" idx="1"/>
+            </p:cNvCxnSpPr>
+            <p:nvPr/>
+          </p:nvCxnSpPr>
+          <p:spPr>
+            <a:xfrm flipH="1" flipV="1">
+              <a:off x="2757761" y="4690333"/>
+              <a:ext cx="1697040" cy="19653"/>
+            </a:xfrm>
+            <a:prstGeom prst="line">
+              <a:avLst/>
+            </a:prstGeom>
+            <a:ln w="19050">
+              <a:solidFill>
+                <a:schemeClr val="tx1"/>
+              </a:solidFill>
+            </a:ln>
+          </p:spPr>
+          <p:style>
+            <a:lnRef idx="1">
+              <a:schemeClr val="accent1"/>
+            </a:lnRef>
+            <a:fillRef idx="0">
+              <a:schemeClr val="accent1"/>
+            </a:fillRef>
+            <a:effectRef idx="0">
+              <a:schemeClr val="accent1"/>
+            </a:effectRef>
+            <a:fontRef idx="minor">
+              <a:schemeClr val="tx1"/>
+            </a:fontRef>
+          </p:style>
+        </p:cxnSp>
+        <p:cxnSp>
+          <p:nvCxnSpPr>
+            <p:cNvPr id="72" name="Curved Connector 71"/>
+            <p:cNvCxnSpPr>
+              <a:stCxn id="6" idx="3"/>
+            </p:cNvCxnSpPr>
+            <p:nvPr/>
+          </p:nvCxnSpPr>
+          <p:spPr>
+            <a:xfrm>
+              <a:off x="2764110" y="1884532"/>
+              <a:ext cx="702990" cy="444442"/>
+            </a:xfrm>
+            <a:prstGeom prst="curvedConnector3">
+              <a:avLst>
+                <a:gd name="adj1" fmla="val 111423"/>
+              </a:avLst>
+            </a:prstGeom>
+            <a:ln w="19050">
+              <a:solidFill>
+                <a:schemeClr val="tx1"/>
+              </a:solidFill>
+              <a:tailEnd type="triangle"/>
+            </a:ln>
+          </p:spPr>
+          <p:style>
+            <a:lnRef idx="1">
+              <a:schemeClr val="accent1"/>
+            </a:lnRef>
+            <a:fillRef idx="0">
+              <a:schemeClr val="accent1"/>
+            </a:fillRef>
+            <a:effectRef idx="0">
+              <a:schemeClr val="accent1"/>
+            </a:effectRef>
+            <a:fontRef idx="minor">
+              <a:schemeClr val="tx1"/>
+            </a:fontRef>
+          </p:style>
+        </p:cxnSp>
+        <p:sp>
+          <p:nvSpPr>
+            <p:cNvPr id="33" name="TextBox 32"/>
+            <p:cNvSpPr txBox="1"/>
+            <p:nvPr/>
+          </p:nvSpPr>
+          <p:spPr>
+            <a:xfrm>
+              <a:off x="4770095" y="1694732"/>
+              <a:ext cx="1623330" cy="369332"/>
+            </a:xfrm>
+            <a:prstGeom prst="rect">
+              <a:avLst/>
+            </a:prstGeom>
+          </p:spPr>
+          <p:style>
+            <a:lnRef idx="2">
+              <a:schemeClr val="dk1"/>
+            </a:lnRef>
+            <a:fillRef idx="1">
+              <a:schemeClr val="lt1"/>
+            </a:fillRef>
+            <a:effectRef idx="0">
+              <a:schemeClr val="dk1"/>
+            </a:effectRef>
+            <a:fontRef idx="minor">
+              <a:schemeClr val="dk1"/>
+            </a:fontRef>
+          </p:style>
+          <p:txBody>
+            <a:bodyPr wrap="none" rtlCol="0">
+              <a:spAutoFit/>
+            </a:bodyPr>
+            <a:lstStyle/>
+            <a:p>
+              <a:r>
+                <a:rPr lang="en-GB" dirty="0" smtClean="0"/>
+                <a:t>Life expectancy</a:t>
+              </a:r>
+            </a:p>
+          </p:txBody>
+        </p:sp>
+        <p:sp>
+          <p:nvSpPr>
+            <p:cNvPr id="34" name="TextBox 33"/>
+            <p:cNvSpPr txBox="1"/>
+            <p:nvPr/>
+          </p:nvSpPr>
+          <p:spPr>
+            <a:xfrm>
+              <a:off x="4770095" y="2305304"/>
+              <a:ext cx="3176382" cy="369332"/>
+            </a:xfrm>
+            <a:prstGeom prst="rect">
+              <a:avLst/>
+            </a:prstGeom>
+          </p:spPr>
+          <p:style>
+            <a:lnRef idx="2">
+              <a:schemeClr val="dk1"/>
+            </a:lnRef>
+            <a:fillRef idx="1">
+              <a:schemeClr val="lt1"/>
+            </a:fillRef>
+            <a:effectRef idx="0">
+              <a:schemeClr val="dk1"/>
+            </a:effectRef>
+            <a:fontRef idx="minor">
+              <a:schemeClr val="dk1"/>
+            </a:fontRef>
+          </p:style>
+          <p:txBody>
+            <a:bodyPr wrap="none" rtlCol="0">
+              <a:spAutoFit/>
+            </a:bodyPr>
+            <a:lstStyle/>
+            <a:p>
+              <a:r>
+                <a:rPr lang="en-GB" dirty="0" smtClean="0"/>
+                <a:t>Health-adjusted life expectancy</a:t>
+              </a:r>
+            </a:p>
+          </p:txBody>
+        </p:sp>
+        <p:cxnSp>
+          <p:nvCxnSpPr>
+            <p:cNvPr id="9" name="Straight Arrow Connector 8"/>
+            <p:cNvCxnSpPr/>
+            <p:nvPr/>
+          </p:nvCxnSpPr>
+          <p:spPr>
+            <a:xfrm>
+              <a:off x="2770460" y="1884532"/>
+              <a:ext cx="1999635" cy="0"/>
+            </a:xfrm>
+            <a:prstGeom prst="straightConnector1">
+              <a:avLst/>
+            </a:prstGeom>
+            <a:ln>
+              <a:solidFill>
+                <a:schemeClr val="tx1"/>
+              </a:solidFill>
+              <a:tailEnd type="triangle"/>
+            </a:ln>
+          </p:spPr>
+          <p:style>
+            <a:lnRef idx="1">
+              <a:schemeClr val="accent1"/>
+            </a:lnRef>
+            <a:fillRef idx="0">
+              <a:schemeClr val="accent1"/>
+            </a:fillRef>
+            <a:effectRef idx="0">
+              <a:schemeClr val="accent1"/>
+            </a:effectRef>
+            <a:fontRef idx="minor">
+              <a:schemeClr val="tx1"/>
+            </a:fontRef>
+          </p:style>
+        </p:cxnSp>
+        <p:cxnSp>
+          <p:nvCxnSpPr>
+            <p:cNvPr id="35" name="Straight Arrow Connector 34"/>
+            <p:cNvCxnSpPr>
+              <a:endCxn id="34" idx="1"/>
+            </p:cNvCxnSpPr>
+            <p:nvPr/>
+          </p:nvCxnSpPr>
+          <p:spPr>
+            <a:xfrm flipV="1">
+              <a:off x="4400882" y="2489970"/>
+              <a:ext cx="369213" cy="0"/>
+            </a:xfrm>
+            <a:prstGeom prst="straightConnector1">
+              <a:avLst/>
+            </a:prstGeom>
+            <a:ln>
+              <a:solidFill>
+                <a:schemeClr val="tx1"/>
+              </a:solidFill>
+              <a:tailEnd type="triangle"/>
+            </a:ln>
+          </p:spPr>
+          <p:style>
+            <a:lnRef idx="1">
+              <a:schemeClr val="accent1"/>
+            </a:lnRef>
+            <a:fillRef idx="0">
+              <a:schemeClr val="accent1"/>
+            </a:fillRef>
+            <a:effectRef idx="0">
+              <a:schemeClr val="accent1"/>
+            </a:effectRef>
+            <a:fontRef idx="minor">
+              <a:schemeClr val="tx1"/>
+            </a:fontRef>
+          </p:style>
+        </p:cxnSp>
+        <p:sp>
+          <p:nvSpPr>
+            <p:cNvPr id="16" name="TextBox 15"/>
+            <p:cNvSpPr txBox="1"/>
+            <p:nvPr/>
+          </p:nvSpPr>
+          <p:spPr>
+            <a:xfrm>
+              <a:off x="7799812" y="4219863"/>
+              <a:ext cx="426445" cy="338400"/>
+            </a:xfrm>
+            <a:prstGeom prst="rect">
+              <a:avLst/>
+            </a:prstGeom>
+            <a:noFill/>
+            <a:ln>
+              <a:solidFill>
+                <a:schemeClr val="tx1"/>
+              </a:solidFill>
+            </a:ln>
+          </p:spPr>
+          <p:txBody>
+            <a:bodyPr wrap="square" rtlCol="0">
+              <a:spAutoFit/>
+            </a:bodyPr>
+            <a:lstStyle/>
+            <a:p>
+              <a:r>
+                <a:rPr lang="en-GB" b="1" dirty="0" smtClean="0"/>
+                <a:t>1</a:t>
+              </a:r>
+              <a:endParaRPr lang="en-GB" b="1" dirty="0"/>
+            </a:p>
+          </p:txBody>
+        </p:sp>
+        <p:sp>
+          <p:nvSpPr>
+            <p:cNvPr id="39" name="TextBox 38"/>
+            <p:cNvSpPr txBox="1"/>
+            <p:nvPr/>
+          </p:nvSpPr>
+          <p:spPr>
+            <a:xfrm>
+              <a:off x="4263575" y="3353868"/>
+              <a:ext cx="426445" cy="338400"/>
+            </a:xfrm>
+            <a:prstGeom prst="rect">
+              <a:avLst/>
+            </a:prstGeom>
+            <a:noFill/>
+            <a:ln>
+              <a:solidFill>
+                <a:schemeClr val="tx1"/>
+              </a:solidFill>
+            </a:ln>
+          </p:spPr>
+          <p:txBody>
+            <a:bodyPr wrap="square" rtlCol="0">
+              <a:spAutoFit/>
+            </a:bodyPr>
+            <a:lstStyle/>
+            <a:p>
+              <a:r>
+                <a:rPr lang="en-GB" b="1" dirty="0"/>
+                <a:t>2</a:t>
+              </a:r>
+            </a:p>
+          </p:txBody>
+        </p:sp>
+        <p:sp>
+          <p:nvSpPr>
+            <p:cNvPr id="40" name="TextBox 39"/>
+            <p:cNvSpPr txBox="1"/>
+            <p:nvPr/>
+          </p:nvSpPr>
+          <p:spPr>
+            <a:xfrm>
+              <a:off x="1204452" y="1241849"/>
+              <a:ext cx="426445" cy="338400"/>
+            </a:xfrm>
+            <a:prstGeom prst="rect">
+              <a:avLst/>
+            </a:prstGeom>
+            <a:noFill/>
+            <a:ln>
+              <a:solidFill>
+                <a:schemeClr val="tx1"/>
+              </a:solidFill>
+            </a:ln>
+          </p:spPr>
+          <p:txBody>
+            <a:bodyPr wrap="square" rtlCol="0">
+              <a:spAutoFit/>
+            </a:bodyPr>
+            <a:lstStyle/>
+            <a:p>
+              <a:r>
+                <a:rPr lang="en-GB" b="1" dirty="0" smtClean="0"/>
+                <a:t>3</a:t>
+              </a:r>
+              <a:endParaRPr lang="en-GB" b="1" dirty="0"/>
+            </a:p>
+          </p:txBody>
+        </p:sp>
+      </p:grpSp>
     </p:spTree>
     <p:extLst>
       <p:ext uri="{BB962C8B-B14F-4D97-AF65-F5344CB8AC3E}">
